--- a/看見復興(崇拜版).pptx
+++ b/看見復興(崇拜版).pptx
@@ -110,6 +110,11 @@
       </a:defRPr>
     </a:lvl9pPr>
   </p:defaultTextStyle>
+  <p:extLst>
+    <p:ext uri="{EFAFB233-063F-42B5-8137-9DF3F51BA10A}">
+      <p15:sldGuideLst xmlns:p15="http://schemas.microsoft.com/office/powerpoint/2012/main"/>
+    </p:ext>
+  </p:extLst>
 </p:presentation>
 </file>
 
@@ -294,7 +299,7 @@
           <a:p>
             <a:fld id="{E208AC68-9C4B-4FA3-A351-421982EA188B}" type="datetimeFigureOut">
               <a:rPr lang="vi-VN" smtClean="0"/>
-              <a:t>24/04/2021</a:t>
+              <a:t>19/11/2022</a:t>
             </a:fld>
             <a:endParaRPr lang="vi-VN"/>
           </a:p>
@@ -464,7 +469,7 @@
           <a:p>
             <a:fld id="{E208AC68-9C4B-4FA3-A351-421982EA188B}" type="datetimeFigureOut">
               <a:rPr lang="vi-VN" smtClean="0"/>
-              <a:t>24/04/2021</a:t>
+              <a:t>19/11/2022</a:t>
             </a:fld>
             <a:endParaRPr lang="vi-VN"/>
           </a:p>
@@ -644,7 +649,7 @@
           <a:p>
             <a:fld id="{E208AC68-9C4B-4FA3-A351-421982EA188B}" type="datetimeFigureOut">
               <a:rPr lang="vi-VN" smtClean="0"/>
-              <a:t>24/04/2021</a:t>
+              <a:t>19/11/2022</a:t>
             </a:fld>
             <a:endParaRPr lang="vi-VN"/>
           </a:p>
@@ -814,7 +819,7 @@
           <a:p>
             <a:fld id="{E208AC68-9C4B-4FA3-A351-421982EA188B}" type="datetimeFigureOut">
               <a:rPr lang="vi-VN" smtClean="0"/>
-              <a:t>24/04/2021</a:t>
+              <a:t>19/11/2022</a:t>
             </a:fld>
             <a:endParaRPr lang="vi-VN"/>
           </a:p>
@@ -1060,7 +1065,7 @@
           <a:p>
             <a:fld id="{E208AC68-9C4B-4FA3-A351-421982EA188B}" type="datetimeFigureOut">
               <a:rPr lang="vi-VN" smtClean="0"/>
-              <a:t>24/04/2021</a:t>
+              <a:t>19/11/2022</a:t>
             </a:fld>
             <a:endParaRPr lang="vi-VN"/>
           </a:p>
@@ -1348,7 +1353,7 @@
           <a:p>
             <a:fld id="{E208AC68-9C4B-4FA3-A351-421982EA188B}" type="datetimeFigureOut">
               <a:rPr lang="vi-VN" smtClean="0"/>
-              <a:t>24/04/2021</a:t>
+              <a:t>19/11/2022</a:t>
             </a:fld>
             <a:endParaRPr lang="vi-VN"/>
           </a:p>
@@ -1770,7 +1775,7 @@
           <a:p>
             <a:fld id="{E208AC68-9C4B-4FA3-A351-421982EA188B}" type="datetimeFigureOut">
               <a:rPr lang="vi-VN" smtClean="0"/>
-              <a:t>24/04/2021</a:t>
+              <a:t>19/11/2022</a:t>
             </a:fld>
             <a:endParaRPr lang="vi-VN"/>
           </a:p>
@@ -1888,7 +1893,7 @@
           <a:p>
             <a:fld id="{E208AC68-9C4B-4FA3-A351-421982EA188B}" type="datetimeFigureOut">
               <a:rPr lang="vi-VN" smtClean="0"/>
-              <a:t>24/04/2021</a:t>
+              <a:t>19/11/2022</a:t>
             </a:fld>
             <a:endParaRPr lang="vi-VN"/>
           </a:p>
@@ -1983,7 +1988,7 @@
           <a:p>
             <a:fld id="{E208AC68-9C4B-4FA3-A351-421982EA188B}" type="datetimeFigureOut">
               <a:rPr lang="vi-VN" smtClean="0"/>
-              <a:t>24/04/2021</a:t>
+              <a:t>19/11/2022</a:t>
             </a:fld>
             <a:endParaRPr lang="vi-VN"/>
           </a:p>
@@ -2260,7 +2265,7 @@
           <a:p>
             <a:fld id="{E208AC68-9C4B-4FA3-A351-421982EA188B}" type="datetimeFigureOut">
               <a:rPr lang="vi-VN" smtClean="0"/>
-              <a:t>24/04/2021</a:t>
+              <a:t>19/11/2022</a:t>
             </a:fld>
             <a:endParaRPr lang="vi-VN"/>
           </a:p>
@@ -2517,7 +2522,7 @@
           <a:p>
             <a:fld id="{E208AC68-9C4B-4FA3-A351-421982EA188B}" type="datetimeFigureOut">
               <a:rPr lang="vi-VN" smtClean="0"/>
-              <a:t>24/04/2021</a:t>
+              <a:t>19/11/2022</a:t>
             </a:fld>
             <a:endParaRPr lang="vi-VN"/>
           </a:p>
@@ -2735,7 +2740,7 @@
           <a:p>
             <a:fld id="{E208AC68-9C4B-4FA3-A351-421982EA188B}" type="datetimeFigureOut">
               <a:rPr lang="vi-VN" smtClean="0"/>
-              <a:t>24/04/2021</a:t>
+              <a:t>19/11/2022</a:t>
             </a:fld>
             <a:endParaRPr lang="vi-VN"/>
           </a:p>
@@ -3147,24 +3152,7 @@
                 <a:latin typeface="微軟正黑體" pitchFamily="34" charset="-120"/>
                 <a:ea typeface="微軟正黑體" pitchFamily="34" charset="-120"/>
               </a:rPr>
-              <a:t>看</a:t>
-            </a:r>
-            <a:r>
-              <a:rPr lang="zh-CN" altLang="en-US" sz="7200" b="1" i="1" dirty="0">
-                <a:solidFill>
-                  <a:srgbClr val="000066"/>
-                </a:solidFill>
-                <a:effectLst>
-                  <a:outerShdw blurRad="38100" dist="38100" dir="2700000" algn="tl">
-                    <a:srgbClr val="000000">
-                      <a:alpha val="43137"/>
-                    </a:srgbClr>
-                  </a:outerShdw>
-                </a:effectLst>
-                <a:latin typeface="微軟正黑體" pitchFamily="34" charset="-120"/>
-                <a:ea typeface="微軟正黑體" pitchFamily="34" charset="-120"/>
-              </a:rPr>
-              <a:t>見復興</a:t>
+              <a:t>看見復興</a:t>
             </a:r>
           </a:p>
         </p:txBody>
@@ -3232,27 +3220,7 @@
                 <a:latin typeface="微軟正黑體" pitchFamily="34" charset="-120"/>
                 <a:ea typeface="微軟正黑體" pitchFamily="34" charset="-120"/>
               </a:rPr>
-              <a:t>我</a:t>
-            </a:r>
-            <a:r>
-              <a:rPr lang="zh-CN" altLang="en-US" sz="6400" b="1" dirty="0">
-                <a:solidFill>
-                  <a:srgbClr val="000066"/>
-                </a:solidFill>
-                <a:latin typeface="微軟正黑體" pitchFamily="34" charset="-120"/>
-                <a:ea typeface="微軟正黑體" pitchFamily="34" charset="-120"/>
-              </a:rPr>
-              <a:t>們是祢的百</a:t>
-            </a:r>
-            <a:r>
-              <a:rPr lang="zh-CN" altLang="en-US" sz="6400" b="1" dirty="0">
-                <a:solidFill>
-                  <a:srgbClr val="000066"/>
-                </a:solidFill>
-                <a:latin typeface="微軟正黑體" pitchFamily="34" charset="-120"/>
-                <a:ea typeface="微軟正黑體" pitchFamily="34" charset="-120"/>
-              </a:rPr>
-              <a:t>姓</a:t>
+              <a:t>我們是祢的百姓</a:t>
             </a:r>
             <a:endParaRPr lang="en-US" altLang="zh-CN" sz="6400" b="1" dirty="0">
               <a:solidFill>
@@ -3274,17 +3242,7 @@
                 <a:latin typeface="微軟正黑體" pitchFamily="34" charset="-120"/>
                 <a:ea typeface="微軟正黑體" pitchFamily="34" charset="-120"/>
               </a:rPr>
-              <a:t>主</a:t>
-            </a:r>
-            <a:r>
-              <a:rPr lang="zh-CN" altLang="en-US" sz="6400" b="1" dirty="0">
-                <a:solidFill>
-                  <a:srgbClr val="000066"/>
-                </a:solidFill>
-                <a:latin typeface="微軟正黑體" pitchFamily="34" charset="-120"/>
-                <a:ea typeface="微軟正黑體" pitchFamily="34" charset="-120"/>
-              </a:rPr>
-              <a:t>祢是我們的神</a:t>
+              <a:t>主祢是我們的神</a:t>
             </a:r>
             <a:endParaRPr lang="zh-TW" altLang="en-US" sz="6400" b="1" dirty="0">
               <a:solidFill>
@@ -3292,6 +3250,68 @@
               </a:solidFill>
               <a:latin typeface="微軟正黑體" pitchFamily="34" charset="-120"/>
               <a:ea typeface="微軟正黑體" pitchFamily="34" charset="-120"/>
+            </a:endParaRPr>
+          </a:p>
+        </p:txBody>
+      </p:sp>
+      <p:sp>
+        <p:nvSpPr>
+          <p:cNvPr id="3" name="TextBox 2"/>
+          <p:cNvSpPr txBox="1"/>
+          <p:nvPr/>
+        </p:nvSpPr>
+        <p:spPr>
+          <a:xfrm>
+            <a:off x="0" y="5058340"/>
+            <a:ext cx="12192000" cy="769441"/>
+          </a:xfrm>
+          <a:prstGeom prst="rect">
+            <a:avLst/>
+          </a:prstGeom>
+          <a:noFill/>
+        </p:spPr>
+        <p:txBody>
+          <a:bodyPr wrap="square" rtlCol="0">
+            <a:spAutoFit/>
+          </a:bodyPr>
+          <a:lstStyle/>
+          <a:p>
+            <a:pPr algn="ctr"/>
+            <a:r>
+              <a:rPr lang="en-US" sz="4400" b="1" dirty="0" smtClean="0">
+                <a:solidFill>
+                  <a:srgbClr val="000066"/>
+                </a:solidFill>
+                <a:latin typeface="Microsoft JhengHei" panose="020B0604030504040204" pitchFamily="34" charset="-120"/>
+                <a:ea typeface="Microsoft JhengHei" panose="020B0604030504040204" pitchFamily="34" charset="-120"/>
+              </a:rPr>
+              <a:t>( </a:t>
+            </a:r>
+            <a:r>
+              <a:rPr lang="zh-CN" altLang="en-US" sz="4400" b="1" dirty="0" smtClean="0">
+                <a:solidFill>
+                  <a:srgbClr val="000066"/>
+                </a:solidFill>
+                <a:latin typeface="Microsoft JhengHei" panose="020B0604030504040204" pitchFamily="34" charset="-120"/>
+                <a:ea typeface="Microsoft JhengHei" panose="020B0604030504040204" pitchFamily="34" charset="-120"/>
+              </a:rPr>
+              <a:t>正</a:t>
+            </a:r>
+            <a:r>
+              <a:rPr lang="en-US" sz="4400" b="1" dirty="0" smtClean="0">
+                <a:solidFill>
+                  <a:srgbClr val="000066"/>
+                </a:solidFill>
+                <a:latin typeface="Microsoft JhengHei" panose="020B0604030504040204" pitchFamily="34" charset="-120"/>
+                <a:ea typeface="Microsoft JhengHei" panose="020B0604030504040204" pitchFamily="34" charset="-120"/>
+              </a:rPr>
+              <a:t> )</a:t>
+            </a:r>
+            <a:endParaRPr lang="vi-VN" sz="4400" b="1" dirty="0">
+              <a:solidFill>
+                <a:srgbClr val="000066"/>
+              </a:solidFill>
+              <a:ea typeface="Microsoft JhengHei" panose="020B0604030504040204" pitchFamily="34" charset="-120"/>
             </a:endParaRPr>
           </a:p>
         </p:txBody>
@@ -3359,17 +3379,7 @@
                 <a:latin typeface="微軟正黑體" pitchFamily="34" charset="-120"/>
                 <a:ea typeface="微軟正黑體" pitchFamily="34" charset="-120"/>
               </a:rPr>
-              <a:t>用讚美打開城</a:t>
-            </a:r>
-            <a:r>
-              <a:rPr lang="zh-TW" altLang="en-US" sz="6400" b="1" dirty="0">
-                <a:solidFill>
-                  <a:srgbClr val="000066"/>
-                </a:solidFill>
-                <a:latin typeface="微軟正黑體" pitchFamily="34" charset="-120"/>
-                <a:ea typeface="微軟正黑體" pitchFamily="34" charset="-120"/>
-              </a:rPr>
-              <a:t>門</a:t>
+              <a:t>用讚美打開城門</a:t>
             </a:r>
             <a:endParaRPr lang="en-US" altLang="zh-TW" sz="6400" b="1" dirty="0">
               <a:solidFill>
@@ -3391,18 +3401,70 @@
                 <a:latin typeface="微軟正黑體" pitchFamily="34" charset="-120"/>
                 <a:ea typeface="微軟正黑體" pitchFamily="34" charset="-120"/>
               </a:rPr>
-              <a:t>來</a:t>
-            </a:r>
-            <a:r>
-              <a:rPr lang="zh-TW" altLang="en-US" sz="6400" b="1" dirty="0">
+              <a:t>來預備祢救恩的道路</a:t>
+            </a:r>
+          </a:p>
+        </p:txBody>
+      </p:sp>
+      <p:sp>
+        <p:nvSpPr>
+          <p:cNvPr id="3" name="TextBox 2"/>
+          <p:cNvSpPr txBox="1"/>
+          <p:nvPr/>
+        </p:nvSpPr>
+        <p:spPr>
+          <a:xfrm>
+            <a:off x="0" y="5058340"/>
+            <a:ext cx="12192000" cy="769441"/>
+          </a:xfrm>
+          <a:prstGeom prst="rect">
+            <a:avLst/>
+          </a:prstGeom>
+          <a:noFill/>
+        </p:spPr>
+        <p:txBody>
+          <a:bodyPr wrap="square" rtlCol="0">
+            <a:spAutoFit/>
+          </a:bodyPr>
+          <a:lstStyle/>
+          <a:p>
+            <a:pPr algn="ctr"/>
+            <a:r>
+              <a:rPr lang="en-US" sz="4400" b="1" dirty="0" smtClean="0">
                 <a:solidFill>
                   <a:srgbClr val="000066"/>
                 </a:solidFill>
-                <a:latin typeface="微軟正黑體" pitchFamily="34" charset="-120"/>
-                <a:ea typeface="微軟正黑體" pitchFamily="34" charset="-120"/>
+                <a:latin typeface="Microsoft JhengHei" panose="020B0604030504040204" pitchFamily="34" charset="-120"/>
+                <a:ea typeface="Microsoft JhengHei" panose="020B0604030504040204" pitchFamily="34" charset="-120"/>
               </a:rPr>
-              <a:t>預備祢救恩的道路</a:t>
-            </a:r>
+              <a:t>( </a:t>
+            </a:r>
+            <a:r>
+              <a:rPr lang="zh-CN" altLang="en-US" sz="4400" b="1" dirty="0" smtClean="0">
+                <a:solidFill>
+                  <a:srgbClr val="000066"/>
+                </a:solidFill>
+                <a:latin typeface="Microsoft JhengHei" panose="020B0604030504040204" pitchFamily="34" charset="-120"/>
+                <a:ea typeface="Microsoft JhengHei" panose="020B0604030504040204" pitchFamily="34" charset="-120"/>
+              </a:rPr>
+              <a:t>正</a:t>
+            </a:r>
+            <a:r>
+              <a:rPr lang="en-US" sz="4400" b="1" dirty="0" smtClean="0">
+                <a:solidFill>
+                  <a:srgbClr val="000066"/>
+                </a:solidFill>
+                <a:latin typeface="Microsoft JhengHei" panose="020B0604030504040204" pitchFamily="34" charset="-120"/>
+                <a:ea typeface="Microsoft JhengHei" panose="020B0604030504040204" pitchFamily="34" charset="-120"/>
+              </a:rPr>
+              <a:t> )</a:t>
+            </a:r>
+            <a:endParaRPr lang="vi-VN" sz="4400" b="1" dirty="0">
+              <a:solidFill>
+                <a:srgbClr val="000066"/>
+              </a:solidFill>
+              <a:ea typeface="Microsoft JhengHei" panose="020B0604030504040204" pitchFamily="34" charset="-120"/>
+            </a:endParaRPr>
           </a:p>
         </p:txBody>
       </p:sp>
@@ -3469,37 +3531,7 @@
                 <a:latin typeface="微軟正黑體" pitchFamily="34" charset="-120"/>
                 <a:ea typeface="微軟正黑體" pitchFamily="34" charset="-120"/>
               </a:rPr>
-              <a:t>呼喊吧 </a:t>
-            </a:r>
-            <a:r>
-              <a:rPr lang="zh-TW" altLang="en-US" sz="6400" b="1" dirty="0">
-                <a:solidFill>
-                  <a:srgbClr val="000066"/>
-                </a:solidFill>
-                <a:latin typeface="微軟正黑體" pitchFamily="34" charset="-120"/>
-                <a:ea typeface="微軟正黑體" pitchFamily="34" charset="-120"/>
-              </a:rPr>
-              <a:t> 神</a:t>
-            </a:r>
-            <a:r>
-              <a:rPr lang="zh-TW" altLang="en-US" sz="6400" b="1" dirty="0">
-                <a:solidFill>
-                  <a:srgbClr val="000066"/>
-                </a:solidFill>
-                <a:latin typeface="微軟正黑體" pitchFamily="34" charset="-120"/>
-                <a:ea typeface="微軟正黑體" pitchFamily="34" charset="-120"/>
-              </a:rPr>
-              <a:t>的百姓呼喊</a:t>
-            </a:r>
-            <a:r>
-              <a:rPr lang="zh-TW" altLang="en-US" sz="6400" b="1" dirty="0">
-                <a:solidFill>
-                  <a:srgbClr val="000066"/>
-                </a:solidFill>
-                <a:latin typeface="微軟正黑體" pitchFamily="34" charset="-120"/>
-                <a:ea typeface="微軟正黑體" pitchFamily="34" charset="-120"/>
-              </a:rPr>
-              <a:t>吧</a:t>
+              <a:t>呼喊吧  神的百姓呼喊吧</a:t>
             </a:r>
             <a:endParaRPr lang="en-US" altLang="zh-TW" sz="6400" b="1" dirty="0">
               <a:solidFill>
@@ -3521,38 +3553,80 @@
                 <a:latin typeface="微軟正黑體" pitchFamily="34" charset="-120"/>
                 <a:ea typeface="微軟正黑體" pitchFamily="34" charset="-120"/>
               </a:rPr>
-              <a:t>耶</a:t>
-            </a:r>
-            <a:r>
-              <a:rPr lang="zh-TW" altLang="en-US" sz="6400" b="1" dirty="0">
+              <a:t>耶和華  已將這城交給我們</a:t>
+            </a:r>
+          </a:p>
+        </p:txBody>
+      </p:sp>
+      <p:sp>
+        <p:nvSpPr>
+          <p:cNvPr id="3" name="TextBox 2"/>
+          <p:cNvSpPr txBox="1"/>
+          <p:nvPr/>
+        </p:nvSpPr>
+        <p:spPr>
+          <a:xfrm>
+            <a:off x="0" y="5058340"/>
+            <a:ext cx="12192000" cy="769441"/>
+          </a:xfrm>
+          <a:prstGeom prst="rect">
+            <a:avLst/>
+          </a:prstGeom>
+          <a:noFill/>
+        </p:spPr>
+        <p:txBody>
+          <a:bodyPr wrap="square" rtlCol="0">
+            <a:spAutoFit/>
+          </a:bodyPr>
+          <a:lstStyle/>
+          <a:p>
+            <a:pPr algn="ctr"/>
+            <a:r>
+              <a:rPr lang="en-US" sz="4400" b="1" dirty="0" smtClean="0">
                 <a:solidFill>
                   <a:srgbClr val="000066"/>
                 </a:solidFill>
-                <a:latin typeface="微軟正黑體" pitchFamily="34" charset="-120"/>
-                <a:ea typeface="微軟正黑體" pitchFamily="34" charset="-120"/>
+                <a:latin typeface="Microsoft JhengHei" panose="020B0604030504040204" pitchFamily="34" charset="-120"/>
+                <a:ea typeface="Microsoft JhengHei" panose="020B0604030504040204" pitchFamily="34" charset="-120"/>
               </a:rPr>
-              <a:t>和華 </a:t>
-            </a:r>
-            <a:r>
-              <a:rPr lang="zh-TW" altLang="en-US" sz="6400" b="1" dirty="0">
+              <a:t>( </a:t>
+            </a:r>
+            <a:r>
+              <a:rPr lang="zh-CN" altLang="en-US" sz="4400" b="1" dirty="0" smtClean="0">
                 <a:solidFill>
                   <a:srgbClr val="000066"/>
                 </a:solidFill>
-                <a:latin typeface="微軟正黑體" pitchFamily="34" charset="-120"/>
-                <a:ea typeface="微軟正黑體" pitchFamily="34" charset="-120"/>
+                <a:latin typeface="Microsoft JhengHei" panose="020B0604030504040204" pitchFamily="34" charset="-120"/>
+                <a:ea typeface="Microsoft JhengHei" panose="020B0604030504040204" pitchFamily="34" charset="-120"/>
               </a:rPr>
-              <a:t> 已</a:t>
-            </a:r>
-            <a:r>
-              <a:rPr lang="zh-TW" altLang="en-US" sz="6400" b="1" dirty="0">
+              <a:t>副</a:t>
+            </a:r>
+            <a:r>
+              <a:rPr lang="en-US" sz="4400" b="1" dirty="0" smtClean="0">
                 <a:solidFill>
                   <a:srgbClr val="000066"/>
                 </a:solidFill>
-                <a:latin typeface="微軟正黑體" pitchFamily="34" charset="-120"/>
-                <a:ea typeface="微軟正黑體" pitchFamily="34" charset="-120"/>
+                <a:latin typeface="Microsoft JhengHei" panose="020B0604030504040204" pitchFamily="34" charset="-120"/>
+                <a:ea typeface="Microsoft JhengHei" panose="020B0604030504040204" pitchFamily="34" charset="-120"/>
               </a:rPr>
-              <a:t>將這城交給我們</a:t>
-            </a:r>
+              <a:t> </a:t>
+            </a:r>
+            <a:r>
+              <a:rPr lang="en-US" sz="4400" b="1" dirty="0" smtClean="0">
+                <a:solidFill>
+                  <a:srgbClr val="000066"/>
+                </a:solidFill>
+                <a:latin typeface="Microsoft JhengHei" panose="020B0604030504040204" pitchFamily="34" charset="-120"/>
+                <a:ea typeface="Microsoft JhengHei" panose="020B0604030504040204" pitchFamily="34" charset="-120"/>
+              </a:rPr>
+              <a:t>)</a:t>
+            </a:r>
+            <a:endParaRPr lang="vi-VN" sz="4400" b="1" dirty="0">
+              <a:solidFill>
+                <a:srgbClr val="000066"/>
+              </a:solidFill>
+              <a:ea typeface="Microsoft JhengHei" panose="020B0604030504040204" pitchFamily="34" charset="-120"/>
+            </a:endParaRPr>
           </a:p>
         </p:txBody>
       </p:sp>
@@ -3619,17 +3693,7 @@
                 <a:latin typeface="微軟正黑體" pitchFamily="34" charset="-120"/>
                 <a:ea typeface="微軟正黑體" pitchFamily="34" charset="-120"/>
               </a:rPr>
-              <a:t>讓讚美的聲音不停</a:t>
-            </a:r>
-            <a:r>
-              <a:rPr lang="zh-TW" altLang="en-US" sz="6400" b="1" dirty="0">
-                <a:solidFill>
-                  <a:srgbClr val="000066"/>
-                </a:solidFill>
-                <a:latin typeface="微軟正黑體" pitchFamily="34" charset="-120"/>
-                <a:ea typeface="微軟正黑體" pitchFamily="34" charset="-120"/>
-              </a:rPr>
-              <a:t>息</a:t>
+              <a:t>讓讚美的聲音不停息</a:t>
             </a:r>
             <a:endParaRPr lang="en-US" altLang="zh-TW" sz="6400" b="1" dirty="0">
               <a:solidFill>
@@ -3651,38 +3715,80 @@
                 <a:latin typeface="微軟正黑體" pitchFamily="34" charset="-120"/>
                 <a:ea typeface="微軟正黑體" pitchFamily="34" charset="-120"/>
               </a:rPr>
-              <a:t>如</a:t>
-            </a:r>
-            <a:r>
-              <a:rPr lang="zh-TW" altLang="en-US" sz="6400" b="1" dirty="0">
+              <a:t>如同大水  淹沒仇敵</a:t>
+            </a:r>
+          </a:p>
+        </p:txBody>
+      </p:sp>
+      <p:sp>
+        <p:nvSpPr>
+          <p:cNvPr id="3" name="TextBox 2"/>
+          <p:cNvSpPr txBox="1"/>
+          <p:nvPr/>
+        </p:nvSpPr>
+        <p:spPr>
+          <a:xfrm>
+            <a:off x="0" y="5058340"/>
+            <a:ext cx="12192000" cy="769441"/>
+          </a:xfrm>
+          <a:prstGeom prst="rect">
+            <a:avLst/>
+          </a:prstGeom>
+          <a:noFill/>
+        </p:spPr>
+        <p:txBody>
+          <a:bodyPr wrap="square" rtlCol="0">
+            <a:spAutoFit/>
+          </a:bodyPr>
+          <a:lstStyle/>
+          <a:p>
+            <a:pPr algn="ctr"/>
+            <a:r>
+              <a:rPr lang="en-US" sz="4400" b="1" dirty="0" smtClean="0">
                 <a:solidFill>
                   <a:srgbClr val="000066"/>
                 </a:solidFill>
-                <a:latin typeface="微軟正黑體" pitchFamily="34" charset="-120"/>
-                <a:ea typeface="微軟正黑體" pitchFamily="34" charset="-120"/>
+                <a:latin typeface="Microsoft JhengHei" panose="020B0604030504040204" pitchFamily="34" charset="-120"/>
+                <a:ea typeface="Microsoft JhengHei" panose="020B0604030504040204" pitchFamily="34" charset="-120"/>
               </a:rPr>
-              <a:t>同大水 </a:t>
-            </a:r>
-            <a:r>
-              <a:rPr lang="zh-TW" altLang="en-US" sz="6400" b="1" dirty="0">
+              <a:t>( </a:t>
+            </a:r>
+            <a:r>
+              <a:rPr lang="zh-CN" altLang="en-US" sz="4400" b="1" dirty="0" smtClean="0">
                 <a:solidFill>
                   <a:srgbClr val="000066"/>
                 </a:solidFill>
-                <a:latin typeface="微軟正黑體" pitchFamily="34" charset="-120"/>
-                <a:ea typeface="微軟正黑體" pitchFamily="34" charset="-120"/>
+                <a:latin typeface="Microsoft JhengHei" panose="020B0604030504040204" pitchFamily="34" charset="-120"/>
+                <a:ea typeface="Microsoft JhengHei" panose="020B0604030504040204" pitchFamily="34" charset="-120"/>
               </a:rPr>
-              <a:t> 淹</a:t>
-            </a:r>
-            <a:r>
-              <a:rPr lang="zh-TW" altLang="en-US" sz="6400" b="1" dirty="0">
+              <a:t>副</a:t>
+            </a:r>
+            <a:r>
+              <a:rPr lang="en-US" sz="4400" b="1" dirty="0" smtClean="0">
                 <a:solidFill>
                   <a:srgbClr val="000066"/>
                 </a:solidFill>
-                <a:latin typeface="微軟正黑體" pitchFamily="34" charset="-120"/>
-                <a:ea typeface="微軟正黑體" pitchFamily="34" charset="-120"/>
+                <a:latin typeface="Microsoft JhengHei" panose="020B0604030504040204" pitchFamily="34" charset="-120"/>
+                <a:ea typeface="Microsoft JhengHei" panose="020B0604030504040204" pitchFamily="34" charset="-120"/>
               </a:rPr>
-              <a:t>沒仇敵</a:t>
-            </a:r>
+              <a:t> </a:t>
+            </a:r>
+            <a:r>
+              <a:rPr lang="en-US" sz="4400" b="1" dirty="0" smtClean="0">
+                <a:solidFill>
+                  <a:srgbClr val="000066"/>
+                </a:solidFill>
+                <a:latin typeface="Microsoft JhengHei" panose="020B0604030504040204" pitchFamily="34" charset="-120"/>
+                <a:ea typeface="Microsoft JhengHei" panose="020B0604030504040204" pitchFamily="34" charset="-120"/>
+              </a:rPr>
+              <a:t>)</a:t>
+            </a:r>
+            <a:endParaRPr lang="vi-VN" sz="4400" b="1" dirty="0">
+              <a:solidFill>
+                <a:srgbClr val="000066"/>
+              </a:solidFill>
+              <a:ea typeface="Microsoft JhengHei" panose="020B0604030504040204" pitchFamily="34" charset="-120"/>
+            </a:endParaRPr>
           </a:p>
         </p:txBody>
       </p:sp>
@@ -3749,27 +3855,7 @@
                 <a:latin typeface="微軟正黑體" pitchFamily="34" charset="-120"/>
                 <a:ea typeface="微軟正黑體" pitchFamily="34" charset="-120"/>
               </a:rPr>
-              <a:t>呼喊吧 </a:t>
-            </a:r>
-            <a:r>
-              <a:rPr lang="zh-TW" altLang="en-US" sz="6400" b="1" dirty="0">
-                <a:solidFill>
-                  <a:srgbClr val="000066"/>
-                </a:solidFill>
-                <a:latin typeface="微軟正黑體" pitchFamily="34" charset="-120"/>
-                <a:ea typeface="微軟正黑體" pitchFamily="34" charset="-120"/>
-              </a:rPr>
-              <a:t> 神</a:t>
-            </a:r>
-            <a:r>
-              <a:rPr lang="zh-TW" altLang="en-US" sz="6400" b="1" dirty="0">
-                <a:solidFill>
-                  <a:srgbClr val="000066"/>
-                </a:solidFill>
-                <a:latin typeface="微軟正黑體" pitchFamily="34" charset="-120"/>
-                <a:ea typeface="微軟正黑體" pitchFamily="34" charset="-120"/>
-              </a:rPr>
-              <a:t>的百姓呼喊吧 </a:t>
+              <a:t>呼喊吧  神的百姓呼喊吧 </a:t>
             </a:r>
             <a:endParaRPr lang="en-US" altLang="zh-TW" sz="6400" b="1" dirty="0">
               <a:solidFill>
@@ -3791,38 +3877,80 @@
                 <a:latin typeface="微軟正黑體" pitchFamily="34" charset="-120"/>
                 <a:ea typeface="微軟正黑體" pitchFamily="34" charset="-120"/>
               </a:rPr>
-              <a:t>耶</a:t>
-            </a:r>
-            <a:r>
-              <a:rPr lang="zh-TW" altLang="en-US" sz="6400" b="1" dirty="0">
+              <a:t>耶和華  已將這城交給我們</a:t>
+            </a:r>
+          </a:p>
+        </p:txBody>
+      </p:sp>
+      <p:sp>
+        <p:nvSpPr>
+          <p:cNvPr id="3" name="TextBox 2"/>
+          <p:cNvSpPr txBox="1"/>
+          <p:nvPr/>
+        </p:nvSpPr>
+        <p:spPr>
+          <a:xfrm>
+            <a:off x="0" y="5058340"/>
+            <a:ext cx="12192000" cy="769441"/>
+          </a:xfrm>
+          <a:prstGeom prst="rect">
+            <a:avLst/>
+          </a:prstGeom>
+          <a:noFill/>
+        </p:spPr>
+        <p:txBody>
+          <a:bodyPr wrap="square" rtlCol="0">
+            <a:spAutoFit/>
+          </a:bodyPr>
+          <a:lstStyle/>
+          <a:p>
+            <a:pPr algn="ctr"/>
+            <a:r>
+              <a:rPr lang="en-US" sz="4400" b="1" dirty="0" smtClean="0">
                 <a:solidFill>
                   <a:srgbClr val="000066"/>
                 </a:solidFill>
-                <a:latin typeface="微軟正黑體" pitchFamily="34" charset="-120"/>
-                <a:ea typeface="微軟正黑體" pitchFamily="34" charset="-120"/>
+                <a:latin typeface="Microsoft JhengHei" panose="020B0604030504040204" pitchFamily="34" charset="-120"/>
+                <a:ea typeface="Microsoft JhengHei" panose="020B0604030504040204" pitchFamily="34" charset="-120"/>
               </a:rPr>
-              <a:t>和華 </a:t>
-            </a:r>
-            <a:r>
-              <a:rPr lang="zh-TW" altLang="en-US" sz="6400" b="1" dirty="0">
+              <a:t>( </a:t>
+            </a:r>
+            <a:r>
+              <a:rPr lang="zh-CN" altLang="en-US" sz="4400" b="1" dirty="0" smtClean="0">
                 <a:solidFill>
                   <a:srgbClr val="000066"/>
                 </a:solidFill>
-                <a:latin typeface="微軟正黑體" pitchFamily="34" charset="-120"/>
-                <a:ea typeface="微軟正黑體" pitchFamily="34" charset="-120"/>
+                <a:latin typeface="Microsoft JhengHei" panose="020B0604030504040204" pitchFamily="34" charset="-120"/>
+                <a:ea typeface="Microsoft JhengHei" panose="020B0604030504040204" pitchFamily="34" charset="-120"/>
               </a:rPr>
-              <a:t> 已</a:t>
-            </a:r>
-            <a:r>
-              <a:rPr lang="zh-TW" altLang="en-US" sz="6400" b="1" dirty="0">
+              <a:t>副</a:t>
+            </a:r>
+            <a:r>
+              <a:rPr lang="en-US" sz="4400" b="1" dirty="0" smtClean="0">
                 <a:solidFill>
                   <a:srgbClr val="000066"/>
                 </a:solidFill>
-                <a:latin typeface="微軟正黑體" pitchFamily="34" charset="-120"/>
-                <a:ea typeface="微軟正黑體" pitchFamily="34" charset="-120"/>
+                <a:latin typeface="Microsoft JhengHei" panose="020B0604030504040204" pitchFamily="34" charset="-120"/>
+                <a:ea typeface="Microsoft JhengHei" panose="020B0604030504040204" pitchFamily="34" charset="-120"/>
               </a:rPr>
-              <a:t>將這城交給我們</a:t>
-            </a:r>
+              <a:t> </a:t>
+            </a:r>
+            <a:r>
+              <a:rPr lang="en-US" sz="4400" b="1" dirty="0" smtClean="0">
+                <a:solidFill>
+                  <a:srgbClr val="000066"/>
+                </a:solidFill>
+                <a:latin typeface="Microsoft JhengHei" panose="020B0604030504040204" pitchFamily="34" charset="-120"/>
+                <a:ea typeface="Microsoft JhengHei" panose="020B0604030504040204" pitchFamily="34" charset="-120"/>
+              </a:rPr>
+              <a:t>)</a:t>
+            </a:r>
+            <a:endParaRPr lang="vi-VN" sz="4400" b="1" dirty="0">
+              <a:solidFill>
+                <a:srgbClr val="000066"/>
+              </a:solidFill>
+              <a:ea typeface="Microsoft JhengHei" panose="020B0604030504040204" pitchFamily="34" charset="-120"/>
+            </a:endParaRPr>
           </a:p>
         </p:txBody>
       </p:sp>
@@ -3889,17 +4017,7 @@
                 <a:latin typeface="微軟正黑體" pitchFamily="34" charset="-120"/>
                 <a:ea typeface="微軟正黑體" pitchFamily="34" charset="-120"/>
               </a:rPr>
-              <a:t>讓禱告的聲音不歇</a:t>
-            </a:r>
-            <a:r>
-              <a:rPr lang="zh-TW" altLang="en-US" sz="6400" b="1" dirty="0">
-                <a:solidFill>
-                  <a:srgbClr val="000066"/>
-                </a:solidFill>
-                <a:latin typeface="微軟正黑體" pitchFamily="34" charset="-120"/>
-                <a:ea typeface="微軟正黑體" pitchFamily="34" charset="-120"/>
-              </a:rPr>
-              <a:t>息</a:t>
+              <a:t>讓禱告的聲音不歇息</a:t>
             </a:r>
             <a:endParaRPr lang="en-US" altLang="zh-TW" sz="6400" b="1" dirty="0">
               <a:solidFill>
@@ -3921,38 +4039,80 @@
                 <a:latin typeface="微軟正黑體" pitchFamily="34" charset="-120"/>
                 <a:ea typeface="微軟正黑體" pitchFamily="34" charset="-120"/>
               </a:rPr>
-              <a:t>直</a:t>
-            </a:r>
-            <a:r>
-              <a:rPr lang="zh-TW" altLang="en-US" sz="6400" b="1" dirty="0">
+              <a:t>直到我們  看見復興</a:t>
+            </a:r>
+          </a:p>
+        </p:txBody>
+      </p:sp>
+      <p:sp>
+        <p:nvSpPr>
+          <p:cNvPr id="3" name="TextBox 2"/>
+          <p:cNvSpPr txBox="1"/>
+          <p:nvPr/>
+        </p:nvSpPr>
+        <p:spPr>
+          <a:xfrm>
+            <a:off x="0" y="5058340"/>
+            <a:ext cx="12192000" cy="769441"/>
+          </a:xfrm>
+          <a:prstGeom prst="rect">
+            <a:avLst/>
+          </a:prstGeom>
+          <a:noFill/>
+        </p:spPr>
+        <p:txBody>
+          <a:bodyPr wrap="square" rtlCol="0">
+            <a:spAutoFit/>
+          </a:bodyPr>
+          <a:lstStyle/>
+          <a:p>
+            <a:pPr algn="ctr"/>
+            <a:r>
+              <a:rPr lang="en-US" sz="4400" b="1" dirty="0" smtClean="0">
                 <a:solidFill>
                   <a:srgbClr val="000066"/>
                 </a:solidFill>
-                <a:latin typeface="微軟正黑體" pitchFamily="34" charset="-120"/>
-                <a:ea typeface="微軟正黑體" pitchFamily="34" charset="-120"/>
+                <a:latin typeface="Microsoft JhengHei" panose="020B0604030504040204" pitchFamily="34" charset="-120"/>
+                <a:ea typeface="Microsoft JhengHei" panose="020B0604030504040204" pitchFamily="34" charset="-120"/>
               </a:rPr>
-              <a:t>到我們 </a:t>
-            </a:r>
-            <a:r>
-              <a:rPr lang="zh-TW" altLang="en-US" sz="6400" b="1" dirty="0">
+              <a:t>( </a:t>
+            </a:r>
+            <a:r>
+              <a:rPr lang="zh-CN" altLang="en-US" sz="4400" b="1" dirty="0" smtClean="0">
                 <a:solidFill>
                   <a:srgbClr val="000066"/>
                 </a:solidFill>
-                <a:latin typeface="微軟正黑體" pitchFamily="34" charset="-120"/>
-                <a:ea typeface="微軟正黑體" pitchFamily="34" charset="-120"/>
+                <a:latin typeface="Microsoft JhengHei" panose="020B0604030504040204" pitchFamily="34" charset="-120"/>
+                <a:ea typeface="Microsoft JhengHei" panose="020B0604030504040204" pitchFamily="34" charset="-120"/>
               </a:rPr>
-              <a:t> 看</a:t>
-            </a:r>
-            <a:r>
-              <a:rPr lang="zh-TW" altLang="en-US" sz="6400" b="1" dirty="0">
+              <a:t>副</a:t>
+            </a:r>
+            <a:r>
+              <a:rPr lang="en-US" sz="4400" b="1" dirty="0" smtClean="0">
                 <a:solidFill>
                   <a:srgbClr val="000066"/>
                 </a:solidFill>
-                <a:latin typeface="微軟正黑體" pitchFamily="34" charset="-120"/>
-                <a:ea typeface="微軟正黑體" pitchFamily="34" charset="-120"/>
+                <a:latin typeface="Microsoft JhengHei" panose="020B0604030504040204" pitchFamily="34" charset="-120"/>
+                <a:ea typeface="Microsoft JhengHei" panose="020B0604030504040204" pitchFamily="34" charset="-120"/>
               </a:rPr>
-              <a:t>見復興</a:t>
-            </a:r>
+              <a:t> </a:t>
+            </a:r>
+            <a:r>
+              <a:rPr lang="en-US" sz="4400" b="1" dirty="0" smtClean="0">
+                <a:solidFill>
+                  <a:srgbClr val="000066"/>
+                </a:solidFill>
+                <a:latin typeface="Microsoft JhengHei" panose="020B0604030504040204" pitchFamily="34" charset="-120"/>
+                <a:ea typeface="Microsoft JhengHei" panose="020B0604030504040204" pitchFamily="34" charset="-120"/>
+              </a:rPr>
+              <a:t>)</a:t>
+            </a:r>
+            <a:endParaRPr lang="vi-VN" sz="4400" b="1" dirty="0">
+              <a:solidFill>
+                <a:srgbClr val="000066"/>
+              </a:solidFill>
+              <a:ea typeface="Microsoft JhengHei" panose="020B0604030504040204" pitchFamily="34" charset="-120"/>
+            </a:endParaRPr>
           </a:p>
         </p:txBody>
       </p:sp>
